--- a/finalPPT(IOCRAZON).pptx
+++ b/finalPPT(IOCRAZON).pptx
@@ -10,8 +10,11 @@
     <p:sldId id="256" r:id="rId4"/>
     <p:sldId id="257" r:id="rId5"/>
     <p:sldId id="259" r:id="rId6"/>
-    <p:sldId id="258" r:id="rId7"/>
-    <p:sldId id="261" r:id="rId8"/>
+    <p:sldId id="263" r:id="rId7"/>
+    <p:sldId id="264" r:id="rId8"/>
+    <p:sldId id="265" r:id="rId9"/>
+    <p:sldId id="266" r:id="rId10"/>
+    <p:sldId id="261" r:id="rId11"/>
   </p:sldIdLst>
   <p:sldSz cx="9144000" cy="6858000" type="screen4x3"/>
   <p:notesSz cx="6858000" cy="9144000"/>
@@ -250,6 +253,7 @@
           <a:p>
             <a:fld id="{35E0A059-EEAD-4BB0-A2C4-D6629F6E610C}" type="datetimeFigureOut">
               <a:rPr lang="en-US" smtClean="0"/>
+              <a:pPr/>
               <a:t>8/3/2020</a:t>
             </a:fld>
             <a:endParaRPr lang="en-US"/>
@@ -996,6 +1000,7 @@
           <a:p>
             <a:fld id="{DA861F26-F32E-405D-AA8B-6ECCB3454883}" type="slidenum">
               <a:rPr lang="en-US" smtClean="0"/>
+              <a:pPr/>
               <a:t>‹#›</a:t>
             </a:fld>
             <a:endParaRPr lang="en-US"/>
@@ -1119,6 +1124,7 @@
           <a:p>
             <a:fld id="{35E0A059-EEAD-4BB0-A2C4-D6629F6E610C}" type="datetimeFigureOut">
               <a:rPr lang="en-US" smtClean="0"/>
+              <a:pPr/>
               <a:t>8/3/2020</a:t>
             </a:fld>
             <a:endParaRPr lang="en-US"/>
@@ -1161,6 +1167,7 @@
           <a:p>
             <a:fld id="{DA861F26-F32E-405D-AA8B-6ECCB3454883}" type="slidenum">
               <a:rPr lang="en-US" smtClean="0"/>
+              <a:pPr/>
               <a:t>‹#›</a:t>
             </a:fld>
             <a:endParaRPr lang="en-US"/>
@@ -1294,6 +1301,7 @@
           <a:p>
             <a:fld id="{35E0A059-EEAD-4BB0-A2C4-D6629F6E610C}" type="datetimeFigureOut">
               <a:rPr lang="en-US" smtClean="0"/>
+              <a:pPr/>
               <a:t>8/3/2020</a:t>
             </a:fld>
             <a:endParaRPr lang="en-US"/>
@@ -1336,6 +1344,7 @@
           <a:p>
             <a:fld id="{DA861F26-F32E-405D-AA8B-6ECCB3454883}" type="slidenum">
               <a:rPr lang="en-US" smtClean="0"/>
+              <a:pPr/>
               <a:t>‹#›</a:t>
             </a:fld>
             <a:endParaRPr lang="en-US"/>
@@ -1531,6 +1540,7 @@
           <a:p>
             <a:fld id="{35E0A059-EEAD-4BB0-A2C4-D6629F6E610C}" type="datetimeFigureOut">
               <a:rPr lang="en-US" smtClean="0"/>
+              <a:pPr/>
               <a:t>8/3/2020</a:t>
             </a:fld>
             <a:endParaRPr lang="en-US"/>
@@ -1573,6 +1583,7 @@
           <a:p>
             <a:fld id="{DA861F26-F32E-405D-AA8B-6ECCB3454883}" type="slidenum">
               <a:rPr lang="en-US" smtClean="0"/>
+              <a:pPr/>
               <a:t>‹#›</a:t>
             </a:fld>
             <a:endParaRPr lang="en-US"/>
@@ -1696,6 +1707,7 @@
           <a:p>
             <a:fld id="{35E0A059-EEAD-4BB0-A2C4-D6629F6E610C}" type="datetimeFigureOut">
               <a:rPr lang="en-US" smtClean="0"/>
+              <a:pPr/>
               <a:t>8/3/2020</a:t>
             </a:fld>
             <a:endParaRPr lang="en-US"/>
@@ -1738,6 +1750,7 @@
           <a:p>
             <a:fld id="{DA861F26-F32E-405D-AA8B-6ECCB3454883}" type="slidenum">
               <a:rPr lang="en-US" smtClean="0"/>
+              <a:pPr/>
               <a:t>‹#›</a:t>
             </a:fld>
             <a:endParaRPr lang="en-US"/>
@@ -1937,6 +1950,7 @@
           <a:p>
             <a:fld id="{35E0A059-EEAD-4BB0-A2C4-D6629F6E610C}" type="datetimeFigureOut">
               <a:rPr lang="en-US" smtClean="0"/>
+              <a:pPr/>
               <a:t>8/3/2020</a:t>
             </a:fld>
             <a:endParaRPr lang="en-US"/>
@@ -1979,6 +1993,7 @@
           <a:p>
             <a:fld id="{DA861F26-F32E-405D-AA8B-6ECCB3454883}" type="slidenum">
               <a:rPr lang="en-US" smtClean="0"/>
+              <a:pPr/>
               <a:t>‹#›</a:t>
             </a:fld>
             <a:endParaRPr lang="en-US"/>
@@ -2220,6 +2235,7 @@
           <a:p>
             <a:fld id="{35E0A059-EEAD-4BB0-A2C4-D6629F6E610C}" type="datetimeFigureOut">
               <a:rPr lang="en-US" smtClean="0"/>
+              <a:pPr/>
               <a:t>8/3/2020</a:t>
             </a:fld>
             <a:endParaRPr lang="en-US"/>
@@ -2262,6 +2278,7 @@
           <a:p>
             <a:fld id="{DA861F26-F32E-405D-AA8B-6ECCB3454883}" type="slidenum">
               <a:rPr lang="en-US" smtClean="0"/>
+              <a:pPr/>
               <a:t>‹#›</a:t>
             </a:fld>
             <a:endParaRPr lang="en-US"/>
@@ -2637,6 +2654,7 @@
           <a:p>
             <a:fld id="{35E0A059-EEAD-4BB0-A2C4-D6629F6E610C}" type="datetimeFigureOut">
               <a:rPr lang="en-US" smtClean="0"/>
+              <a:pPr/>
               <a:t>8/3/2020</a:t>
             </a:fld>
             <a:endParaRPr lang="en-US"/>
@@ -2679,6 +2697,7 @@
           <a:p>
             <a:fld id="{DA861F26-F32E-405D-AA8B-6ECCB3454883}" type="slidenum">
               <a:rPr lang="en-US" smtClean="0"/>
+              <a:pPr/>
               <a:t>‹#›</a:t>
             </a:fld>
             <a:endParaRPr lang="en-US"/>
@@ -2750,6 +2769,7 @@
           <a:p>
             <a:fld id="{35E0A059-EEAD-4BB0-A2C4-D6629F6E610C}" type="datetimeFigureOut">
               <a:rPr lang="en-US" smtClean="0"/>
+              <a:pPr/>
               <a:t>8/3/2020</a:t>
             </a:fld>
             <a:endParaRPr lang="en-US"/>
@@ -2792,6 +2812,7 @@
           <a:p>
             <a:fld id="{DA861F26-F32E-405D-AA8B-6ECCB3454883}" type="slidenum">
               <a:rPr lang="en-US" smtClean="0"/>
+              <a:pPr/>
               <a:t>‹#›</a:t>
             </a:fld>
             <a:endParaRPr lang="en-US"/>
@@ -2840,6 +2861,7 @@
           <a:p>
             <a:fld id="{35E0A059-EEAD-4BB0-A2C4-D6629F6E610C}" type="datetimeFigureOut">
               <a:rPr lang="en-US" smtClean="0"/>
+              <a:pPr/>
               <a:t>8/3/2020</a:t>
             </a:fld>
             <a:endParaRPr lang="en-US"/>
@@ -2882,6 +2904,7 @@
           <a:p>
             <a:fld id="{DA861F26-F32E-405D-AA8B-6ECCB3454883}" type="slidenum">
               <a:rPr lang="en-US" smtClean="0"/>
+              <a:pPr/>
               <a:t>‹#›</a:t>
             </a:fld>
             <a:endParaRPr lang="en-US"/>
@@ -3112,6 +3135,7 @@
           <a:p>
             <a:fld id="{35E0A059-EEAD-4BB0-A2C4-D6629F6E610C}" type="datetimeFigureOut">
               <a:rPr lang="en-US" smtClean="0"/>
+              <a:pPr/>
               <a:t>8/3/2020</a:t>
             </a:fld>
             <a:endParaRPr lang="en-US"/>
@@ -3154,6 +3178,7 @@
           <a:p>
             <a:fld id="{DA861F26-F32E-405D-AA8B-6ECCB3454883}" type="slidenum">
               <a:rPr lang="en-US" smtClean="0"/>
+              <a:pPr/>
               <a:t>‹#›</a:t>
             </a:fld>
             <a:endParaRPr lang="en-US"/>
@@ -3282,6 +3307,7 @@
           <a:p>
             <a:fld id="{35E0A059-EEAD-4BB0-A2C4-D6629F6E610C}" type="datetimeFigureOut">
               <a:rPr lang="en-US" smtClean="0"/>
+              <a:pPr/>
               <a:t>8/3/2020</a:t>
             </a:fld>
             <a:endParaRPr lang="en-US"/>
@@ -3305,6 +3331,7 @@
           <a:p>
             <a:fld id="{DA861F26-F32E-405D-AA8B-6ECCB3454883}" type="slidenum">
               <a:rPr lang="en-US" smtClean="0"/>
+              <a:pPr/>
               <a:t>‹#›</a:t>
             </a:fld>
             <a:endParaRPr lang="en-US"/>
@@ -3530,6 +3557,7 @@
           <a:p>
             <a:fld id="{35E0A059-EEAD-4BB0-A2C4-D6629F6E610C}" type="datetimeFigureOut">
               <a:rPr lang="en-US" smtClean="0"/>
+              <a:pPr/>
               <a:t>8/3/2020</a:t>
             </a:fld>
             <a:endParaRPr lang="en-US"/>
@@ -3572,6 +3600,7 @@
           <a:p>
             <a:fld id="{DA861F26-F32E-405D-AA8B-6ECCB3454883}" type="slidenum">
               <a:rPr lang="en-US" smtClean="0"/>
+              <a:pPr/>
               <a:t>‹#›</a:t>
             </a:fld>
             <a:endParaRPr lang="en-US"/>
@@ -3695,6 +3724,7 @@
           <a:p>
             <a:fld id="{35E0A059-EEAD-4BB0-A2C4-D6629F6E610C}" type="datetimeFigureOut">
               <a:rPr lang="en-US" smtClean="0"/>
+              <a:pPr/>
               <a:t>8/3/2020</a:t>
             </a:fld>
             <a:endParaRPr lang="en-US"/>
@@ -3737,6 +3767,7 @@
           <a:p>
             <a:fld id="{DA861F26-F32E-405D-AA8B-6ECCB3454883}" type="slidenum">
               <a:rPr lang="en-US" smtClean="0"/>
+              <a:pPr/>
               <a:t>‹#›</a:t>
             </a:fld>
             <a:endParaRPr lang="en-US"/>
@@ -3870,6 +3901,7 @@
           <a:p>
             <a:fld id="{35E0A059-EEAD-4BB0-A2C4-D6629F6E610C}" type="datetimeFigureOut">
               <a:rPr lang="en-US" smtClean="0"/>
+              <a:pPr/>
               <a:t>8/3/2020</a:t>
             </a:fld>
             <a:endParaRPr lang="en-US"/>
@@ -3912,6 +3944,7 @@
           <a:p>
             <a:fld id="{DA861F26-F32E-405D-AA8B-6ECCB3454883}" type="slidenum">
               <a:rPr lang="en-US" smtClean="0"/>
+              <a:pPr/>
               <a:t>‹#›</a:t>
             </a:fld>
             <a:endParaRPr lang="en-US"/>
@@ -4080,6 +4113,7 @@
           <a:p>
             <a:fld id="{35E0A059-EEAD-4BB0-A2C4-D6629F6E610C}" type="datetimeFigureOut">
               <a:rPr lang="en-US" smtClean="0"/>
+              <a:pPr/>
               <a:t>8/3/2020</a:t>
             </a:fld>
             <a:endParaRPr lang="en-US"/>
@@ -4823,6 +4857,7 @@
           <a:p>
             <a:fld id="{DA861F26-F32E-405D-AA8B-6ECCB3454883}" type="slidenum">
               <a:rPr lang="en-US" smtClean="0"/>
+              <a:pPr/>
               <a:t>‹#›</a:t>
             </a:fld>
             <a:endParaRPr lang="en-US"/>
@@ -4894,6 +4929,7 @@
           <a:p>
             <a:fld id="{35E0A059-EEAD-4BB0-A2C4-D6629F6E610C}" type="datetimeFigureOut">
               <a:rPr lang="en-US" smtClean="0"/>
+              <a:pPr/>
               <a:t>8/3/2020</a:t>
             </a:fld>
             <a:endParaRPr lang="en-US"/>
@@ -4936,6 +4972,7 @@
           <a:p>
             <a:fld id="{DA861F26-F32E-405D-AA8B-6ECCB3454883}" type="slidenum">
               <a:rPr lang="en-US" smtClean="0"/>
+              <a:pPr/>
               <a:t>‹#›</a:t>
             </a:fld>
             <a:endParaRPr lang="en-US"/>
@@ -5130,6 +5167,7 @@
           <a:p>
             <a:fld id="{35E0A059-EEAD-4BB0-A2C4-D6629F6E610C}" type="datetimeFigureOut">
               <a:rPr lang="en-US" smtClean="0"/>
+              <a:pPr/>
               <a:t>8/3/2020</a:t>
             </a:fld>
             <a:endParaRPr lang="en-US"/>
@@ -5172,6 +5210,7 @@
           <a:p>
             <a:fld id="{DA861F26-F32E-405D-AA8B-6ECCB3454883}" type="slidenum">
               <a:rPr lang="en-US" smtClean="0"/>
+              <a:pPr/>
               <a:t>‹#›</a:t>
             </a:fld>
             <a:endParaRPr lang="en-US"/>
@@ -5453,6 +5492,7 @@
           <a:p>
             <a:fld id="{35E0A059-EEAD-4BB0-A2C4-D6629F6E610C}" type="datetimeFigureOut">
               <a:rPr lang="en-US" smtClean="0"/>
+              <a:pPr/>
               <a:t>8/3/2020</a:t>
             </a:fld>
             <a:endParaRPr lang="en-US"/>
@@ -5476,6 +5516,7 @@
           <a:p>
             <a:fld id="{DA861F26-F32E-405D-AA8B-6ECCB3454883}" type="slidenum">
               <a:rPr lang="en-US" smtClean="0"/>
+              <a:pPr/>
               <a:t>‹#›</a:t>
             </a:fld>
             <a:endParaRPr lang="en-US"/>
@@ -5543,6 +5584,7 @@
           <a:p>
             <a:fld id="{35E0A059-EEAD-4BB0-A2C4-D6629F6E610C}" type="datetimeFigureOut">
               <a:rPr lang="en-US" smtClean="0"/>
+              <a:pPr/>
               <a:t>8/3/2020</a:t>
             </a:fld>
             <a:endParaRPr lang="en-US"/>
@@ -5585,6 +5627,7 @@
           <a:p>
             <a:fld id="{DA861F26-F32E-405D-AA8B-6ECCB3454883}" type="slidenum">
               <a:rPr lang="en-US" smtClean="0"/>
+              <a:pPr/>
               <a:t>‹#›</a:t>
             </a:fld>
             <a:endParaRPr lang="en-US"/>
@@ -6060,6 +6103,7 @@
           <a:p>
             <a:fld id="{35E0A059-EEAD-4BB0-A2C4-D6629F6E610C}" type="datetimeFigureOut">
               <a:rPr lang="en-US" smtClean="0"/>
+              <a:pPr/>
               <a:t>8/3/2020</a:t>
             </a:fld>
             <a:endParaRPr lang="en-US"/>
@@ -6083,6 +6127,7 @@
           <a:p>
             <a:fld id="{DA861F26-F32E-405D-AA8B-6ECCB3454883}" type="slidenum">
               <a:rPr lang="en-US" smtClean="0"/>
+              <a:pPr/>
               <a:t>‹#›</a:t>
             </a:fld>
             <a:endParaRPr lang="en-US"/>
@@ -6571,6 +6616,7 @@
           <a:p>
             <a:fld id="{35E0A059-EEAD-4BB0-A2C4-D6629F6E610C}" type="datetimeFigureOut">
               <a:rPr lang="en-US" smtClean="0"/>
+              <a:pPr/>
               <a:t>8/3/2020</a:t>
             </a:fld>
             <a:endParaRPr lang="en-US"/>
@@ -6594,6 +6640,7 @@
           <a:p>
             <a:fld id="{DA861F26-F32E-405D-AA8B-6ECCB3454883}" type="slidenum">
               <a:rPr lang="en-US" smtClean="0"/>
+              <a:pPr/>
               <a:t>‹#›</a:t>
             </a:fld>
             <a:endParaRPr lang="en-US"/>
@@ -6816,6 +6863,7 @@
           <a:p>
             <a:fld id="{35E0A059-EEAD-4BB0-A2C4-D6629F6E610C}" type="datetimeFigureOut">
               <a:rPr lang="en-US" smtClean="0"/>
+              <a:pPr/>
               <a:t>8/3/2020</a:t>
             </a:fld>
             <a:endParaRPr lang="en-US"/>
@@ -7092,6 +7140,7 @@
           <a:p>
             <a:fld id="{DA861F26-F32E-405D-AA8B-6ECCB3454883}" type="slidenum">
               <a:rPr lang="en-US" smtClean="0"/>
+              <a:pPr/>
               <a:t>‹#›</a:t>
             </a:fld>
             <a:endParaRPr lang="en-US"/>
@@ -7556,6 +7605,7 @@
           <a:p>
             <a:fld id="{35E0A059-EEAD-4BB0-A2C4-D6629F6E610C}" type="datetimeFigureOut">
               <a:rPr lang="en-US" smtClean="0"/>
+              <a:pPr/>
               <a:t>8/3/2020</a:t>
             </a:fld>
             <a:endParaRPr lang="en-US"/>
@@ -7634,6 +7684,7 @@
           <a:p>
             <a:fld id="{DA861F26-F32E-405D-AA8B-6ECCB3454883}" type="slidenum">
               <a:rPr lang="en-US" smtClean="0"/>
+              <a:pPr/>
               <a:t>‹#›</a:t>
             </a:fld>
             <a:endParaRPr lang="en-US"/>
@@ -7967,16 +8018,7 @@
                 </a:solidFill>
                 <a:latin typeface="+mn-lt"/>
               </a:rPr>
-              <a:t>Ministry of Petroleum and Natural </a:t>
-            </a:r>
-            <a:r>
-              <a:rPr lang="en-US" altLang="zh-CN" sz="2000" b="1" dirty="0" smtClean="0">
-                <a:solidFill>
-                  <a:schemeClr val="accent1"/>
-                </a:solidFill>
-                <a:latin typeface="+mn-lt"/>
-              </a:rPr>
-              <a:t>Gas </a:t>
+              <a:t>Ministry of Petroleum and Natural Gas </a:t>
             </a:r>
             <a:r>
               <a:rPr lang="en-IN" altLang="en-US" sz="2000" b="1" dirty="0" smtClean="0">
@@ -8011,16 +8053,7 @@
                 </a:solidFill>
                 <a:latin typeface="+mn-lt"/>
               </a:rPr>
-              <a:t>Technological advances for </a:t>
-            </a:r>
-            <a:r>
-              <a:rPr lang="en-US" sz="2000" b="1" u="sng" dirty="0" smtClean="0">
-                <a:solidFill>
-                  <a:schemeClr val="accent1"/>
-                </a:solidFill>
-                <a:latin typeface="+mn-lt"/>
-              </a:rPr>
-              <a:t>Retail Outlets</a:t>
+              <a:t>Technological advances for Retail Outlets</a:t>
             </a:r>
             <a:r>
               <a:rPr lang="en-IN" altLang="en-US" sz="2000" dirty="0" smtClean="0">
@@ -8874,30 +8907,28 @@
       </p:grpSpPr>
       <p:pic>
         <p:nvPicPr>
-          <p:cNvPr id="4" name="Psa.mov">
-            <a:hlinkClick r:id="" action="ppaction://media"/>
-          </p:cNvPr>
+          <p:cNvPr id="1026" name="Picture 2" descr="C:\Users\Pragati Chauhan\Pictures\Screenshots\Screenshot (1434).png"/>
           <p:cNvPicPr>
-            <a:picLocks noRot="1" noChangeAspect="1"/>
+            <a:picLocks noChangeAspect="1" noChangeArrowheads="1"/>
           </p:cNvPicPr>
-          <p:nvPr>
-            <a:videoFile r:link="rId1"/>
-          </p:nvPr>
+          <p:nvPr/>
         </p:nvPicPr>
         <p:blipFill>
-          <a:blip r:embed="rId3"/>
+          <a:blip r:embed="rId2"/>
+          <a:srcRect/>
           <a:stretch>
             <a:fillRect/>
           </a:stretch>
         </p:blipFill>
-        <p:spPr>
-          <a:xfrm>
-            <a:off x="0" y="-89298"/>
-            <a:ext cx="9144000" cy="6947298"/>
+        <p:spPr bwMode="auto">
+          <a:xfrm>
+            <a:off x="0" y="642918"/>
+            <a:ext cx="9074283" cy="4857760"/>
           </a:xfrm>
           <a:prstGeom prst="rect">
             <a:avLst/>
           </a:prstGeom>
+          <a:noFill/>
         </p:spPr>
       </p:pic>
     </p:spTree>
@@ -8905,102 +8936,163 @@
   <p:clrMapOvr>
     <a:masterClrMapping/>
   </p:clrMapOvr>
-  <p:timing>
-    <p:tnLst>
-      <p:par>
-        <p:cTn id="1" dur="indefinite" restart="never" nodeType="tmRoot">
-          <p:childTnLst>
-            <p:seq concurrent="1" nextAc="seek">
-              <p:cTn id="2" restart="whenNotActive" fill="hold" evtFilter="cancelBubble" nodeType="interactiveSeq">
-                <p:stCondLst>
-                  <p:cond evt="onClick" delay="0">
-                    <p:tgtEl>
-                      <p:spTgt spid="4"/>
-                    </p:tgtEl>
-                  </p:cond>
-                </p:stCondLst>
-                <p:endSync evt="end" delay="0">
-                  <p:rtn val="all"/>
-                </p:endSync>
-                <p:childTnLst>
-                  <p:par>
-                    <p:cTn id="3" fill="hold">
-                      <p:stCondLst>
-                        <p:cond delay="0"/>
-                      </p:stCondLst>
-                      <p:childTnLst>
-                        <p:par>
-                          <p:cTn id="4" fill="hold">
-                            <p:stCondLst>
-                              <p:cond delay="0"/>
-                            </p:stCondLst>
-                            <p:childTnLst>
-                              <p:par>
-                                <p:cTn id="5" presetID="2" presetClass="mediacall" presetSubtype="0" fill="hold" nodeType="clickEffect">
-                                  <p:stCondLst>
-                                    <p:cond delay="0"/>
-                                  </p:stCondLst>
-                                  <p:childTnLst>
-                                    <p:cmd type="call" cmd="togglePause">
-                                      <p:cBhvr>
-                                        <p:cTn id="6" dur="1" fill="hold"/>
-                                        <p:tgtEl>
-                                          <p:spTgt spid="4"/>
-                                        </p:tgtEl>
-                                      </p:cBhvr>
-                                    </p:cmd>
-                                  </p:childTnLst>
-                                </p:cTn>
-                              </p:par>
-                            </p:childTnLst>
-                          </p:cTn>
-                        </p:par>
-                      </p:childTnLst>
-                    </p:cTn>
-                  </p:par>
-                </p:childTnLst>
-              </p:cTn>
-              <p:nextCondLst>
-                <p:cond evt="onClick" delay="0">
-                  <p:tgtEl>
-                    <p:spTgt spid="4"/>
-                  </p:tgtEl>
-                </p:cond>
-              </p:nextCondLst>
-            </p:seq>
-            <p:video>
-              <p:cMediaNode vol="80000">
-                <p:cTn id="7" fill="hold" display="0">
-                  <p:stCondLst>
-                    <p:cond delay="indefinite"/>
-                  </p:stCondLst>
-                  <p:endCondLst>
-                    <p:cond evt="onNext" delay="0">
-                      <p:tgtEl>
-                        <p:sldTgt/>
-                      </p:tgtEl>
-                    </p:cond>
-                    <p:cond evt="onPrev" delay="0">
-                      <p:tgtEl>
-                        <p:sldTgt/>
-                      </p:tgtEl>
-                    </p:cond>
-                  </p:endCondLst>
-                </p:cTn>
-                <p:tgtEl>
-                  <p:spTgt spid="4"/>
-                </p:tgtEl>
-              </p:cMediaNode>
-            </p:video>
-          </p:childTnLst>
-        </p:cTn>
-      </p:par>
-    </p:tnLst>
-  </p:timing>
 </p:sld>
 </file>
 
 <file path=ppt/slides/slide6.xml><?xml version="1.0" encoding="utf-8"?>
+<p:sld xmlns:a="http://schemas.openxmlformats.org/drawingml/2006/main" xmlns:r="http://schemas.openxmlformats.org/officeDocument/2006/relationships" xmlns:p="http://schemas.openxmlformats.org/presentationml/2006/main">
+  <p:cSld>
+    <p:spTree>
+      <p:nvGrpSpPr>
+        <p:cNvPr id="1" name=""/>
+        <p:cNvGrpSpPr/>
+        <p:nvPr/>
+      </p:nvGrpSpPr>
+      <p:grpSpPr>
+        <a:xfrm>
+          <a:off x="0" y="0"/>
+          <a:ext cx="0" cy="0"/>
+          <a:chOff x="0" y="0"/>
+          <a:chExt cx="0" cy="0"/>
+        </a:xfrm>
+      </p:grpSpPr>
+      <p:pic>
+        <p:nvPicPr>
+          <p:cNvPr id="2050" name="Picture 2" descr="C:\Users\Pragati Chauhan\Pictures\Screenshots\Screenshot (1435).png"/>
+          <p:cNvPicPr>
+            <a:picLocks noChangeAspect="1" noChangeArrowheads="1"/>
+          </p:cNvPicPr>
+          <p:nvPr/>
+        </p:nvPicPr>
+        <p:blipFill>
+          <a:blip r:embed="rId2"/>
+          <a:srcRect/>
+          <a:stretch>
+            <a:fillRect/>
+          </a:stretch>
+        </p:blipFill>
+        <p:spPr bwMode="auto">
+          <a:xfrm>
+            <a:off x="0" y="642918"/>
+            <a:ext cx="9144000" cy="4857784"/>
+          </a:xfrm>
+          <a:prstGeom prst="rect">
+            <a:avLst/>
+          </a:prstGeom>
+          <a:noFill/>
+        </p:spPr>
+      </p:pic>
+    </p:spTree>
+  </p:cSld>
+  <p:clrMapOvr>
+    <a:masterClrMapping/>
+  </p:clrMapOvr>
+</p:sld>
+</file>
+
+<file path=ppt/slides/slide7.xml><?xml version="1.0" encoding="utf-8"?>
+<p:sld xmlns:a="http://schemas.openxmlformats.org/drawingml/2006/main" xmlns:r="http://schemas.openxmlformats.org/officeDocument/2006/relationships" xmlns:p="http://schemas.openxmlformats.org/presentationml/2006/main">
+  <p:cSld>
+    <p:spTree>
+      <p:nvGrpSpPr>
+        <p:cNvPr id="1" name=""/>
+        <p:cNvGrpSpPr/>
+        <p:nvPr/>
+      </p:nvGrpSpPr>
+      <p:grpSpPr>
+        <a:xfrm>
+          <a:off x="0" y="0"/>
+          <a:ext cx="0" cy="0"/>
+          <a:chOff x="0" y="0"/>
+          <a:chExt cx="0" cy="0"/>
+        </a:xfrm>
+      </p:grpSpPr>
+      <p:pic>
+        <p:nvPicPr>
+          <p:cNvPr id="3074" name="Picture 2" descr="C:\Users\Pragati Chauhan\Pictures\Screenshots\Screenshot (1436).png"/>
+          <p:cNvPicPr>
+            <a:picLocks noChangeAspect="1" noChangeArrowheads="1"/>
+          </p:cNvPicPr>
+          <p:nvPr/>
+        </p:nvPicPr>
+        <p:blipFill>
+          <a:blip r:embed="rId2"/>
+          <a:srcRect/>
+          <a:stretch>
+            <a:fillRect/>
+          </a:stretch>
+        </p:blipFill>
+        <p:spPr bwMode="auto">
+          <a:xfrm>
+            <a:off x="0" y="714356"/>
+            <a:ext cx="8983045" cy="4857784"/>
+          </a:xfrm>
+          <a:prstGeom prst="rect">
+            <a:avLst/>
+          </a:prstGeom>
+          <a:noFill/>
+        </p:spPr>
+      </p:pic>
+    </p:spTree>
+  </p:cSld>
+  <p:clrMapOvr>
+    <a:masterClrMapping/>
+  </p:clrMapOvr>
+</p:sld>
+</file>
+
+<file path=ppt/slides/slide8.xml><?xml version="1.0" encoding="utf-8"?>
+<p:sld xmlns:a="http://schemas.openxmlformats.org/drawingml/2006/main" xmlns:r="http://schemas.openxmlformats.org/officeDocument/2006/relationships" xmlns:p="http://schemas.openxmlformats.org/presentationml/2006/main">
+  <p:cSld>
+    <p:spTree>
+      <p:nvGrpSpPr>
+        <p:cNvPr id="1" name=""/>
+        <p:cNvGrpSpPr/>
+        <p:nvPr/>
+      </p:nvGrpSpPr>
+      <p:grpSpPr>
+        <a:xfrm>
+          <a:off x="0" y="0"/>
+          <a:ext cx="0" cy="0"/>
+          <a:chOff x="0" y="0"/>
+          <a:chExt cx="0" cy="0"/>
+        </a:xfrm>
+      </p:grpSpPr>
+      <p:pic>
+        <p:nvPicPr>
+          <p:cNvPr id="4098" name="Picture 2" descr="C:\Users\Pragati Chauhan\Pictures\Screenshots\Screenshot (1437).png"/>
+          <p:cNvPicPr>
+            <a:picLocks noChangeAspect="1" noChangeArrowheads="1"/>
+          </p:cNvPicPr>
+          <p:nvPr/>
+        </p:nvPicPr>
+        <p:blipFill>
+          <a:blip r:embed="rId2"/>
+          <a:srcRect/>
+          <a:stretch>
+            <a:fillRect/>
+          </a:stretch>
+        </p:blipFill>
+        <p:spPr bwMode="auto">
+          <a:xfrm>
+            <a:off x="214282" y="1000108"/>
+            <a:ext cx="8724217" cy="4786346"/>
+          </a:xfrm>
+          <a:prstGeom prst="rect">
+            <a:avLst/>
+          </a:prstGeom>
+          <a:noFill/>
+        </p:spPr>
+      </p:pic>
+    </p:spTree>
+  </p:cSld>
+  <p:clrMapOvr>
+    <a:masterClrMapping/>
+  </p:clrMapOvr>
+</p:sld>
+</file>
+
+<file path=ppt/slides/slide9.xml><?xml version="1.0" encoding="utf-8"?>
 <p:sld xmlns:a="http://schemas.openxmlformats.org/drawingml/2006/main" xmlns:r="http://schemas.openxmlformats.org/officeDocument/2006/relationships" xmlns:p="http://schemas.openxmlformats.org/presentationml/2006/main">
   <p:cSld>
     <p:spTree>
